--- a/presentation/index.pptx
+++ b/presentation/index.pptx
@@ -5217,7 +5217,7 @@
             <a:pPr lvl="0"/>
             <a:r>
               <a:rPr/>
-              <a:t>Apps deployed to an RSConnect Server instance via a CD pipeline</a:t>
+              <a:t>Apps deployed to an Posit Connect Server instance via a CD pipeline</a:t>
             </a:r>
           </a:p>
           <a:p>

--- a/presentation/index.pptx
+++ b/presentation/index.pptx
@@ -4785,7 +4785,7 @@
             </a:pPr>
             <a:r>
               <a:rPr b="1"/>
-              <a:t>Use Case 1 - Testing Packages as a Cohort</a:t>
+              <a:t>Use Case 1 - Integration Testing</a:t>
             </a:r>
           </a:p>
           <a:p>
@@ -4854,7 +4854,7 @@
             </a:pPr>
             <a:r>
               <a:rPr b="1"/>
-              <a:t>Use Case 2 - Shiny App Testing &amp; Deployment</a:t>
+              <a:t>Use Case 2 - Web Application Testing &amp; Deployment</a:t>
             </a:r>
           </a:p>
           <a:p>

--- a/presentation/index.pptx
+++ b/presentation/index.pptx
@@ -26,7 +26,6 @@
     <p:sldId id="274" r:id="rId20"/>
     <p:sldId id="275" r:id="rId21"/>
     <p:sldId id="276" r:id="rId22"/>
-    <p:sldId id="277" r:id="rId23"/>
   </p:sldIdLst>
   <p:sldSz cx="9144000" cy="5143500" type="screen16x9"/>
   <p:notesSz cx="6858000" cy="9144000"/>
@@ -3193,56 +3192,6 @@
       </p:grpSpPr>
       <p:sp>
         <p:nvSpPr>
-          <p:cNvPr id="3" name="Content Placeholder 2"/>
-          <p:cNvSpPr>
-            <a:spLocks noGrp="1"/>
-          </p:cNvSpPr>
-          <p:nvPr>
-            <p:ph idx="1"/>
-          </p:nvPr>
-        </p:nvSpPr>
-        <p:spPr/>
-        <p:txBody>
-          <a:bodyPr/>
-          <a:lstStyle/>
-          <a:p>
-            <a:pPr lvl="0" indent="0" marL="0">
-              <a:spcBef>
-                <a:spcPts val="3000"/>
-              </a:spcBef>
-              <a:buNone/>
-            </a:pPr>
-            <a:r>
-              <a:rPr b="1"/>
-              <a:t>Solution 1 - CI/CD for Templates</a:t>
-            </a:r>
-          </a:p>
-        </p:txBody>
-      </p:sp>
-    </p:spTree>
-  </p:cSld>
-</p:sld>
-</file>
-
-<file path=ppt/slides/slide11.xml><?xml version="1.0" encoding="utf-8"?>
-<p:sld xmlns:a="http://schemas.openxmlformats.org/drawingml/2006/main" xmlns:r="http://schemas.openxmlformats.org/officeDocument/2006/relationships" xmlns:p="http://schemas.openxmlformats.org/presentationml/2006/main">
-  <p:cSld>
-    <p:spTree>
-      <p:nvGrpSpPr>
-        <p:cNvPr id="1" name=""/>
-        <p:cNvGrpSpPr/>
-        <p:nvPr/>
-      </p:nvGrpSpPr>
-      <p:grpSpPr>
-        <a:xfrm>
-          <a:off x="0" y="0"/>
-          <a:ext cx="0" cy="0"/>
-          <a:chOff x="0" y="0"/>
-          <a:chExt cx="0" cy="0"/>
-        </a:xfrm>
-      </p:grpSpPr>
-      <p:sp>
-        <p:nvSpPr>
           <p:cNvPr id="3" name="Text Placeholder 2"/>
           <p:cNvSpPr>
             <a:spLocks noGrp="1"/>
@@ -3528,7 +3477,7 @@
 </p:sld>
 </file>
 
-<file path=ppt/slides/slide12.xml><?xml version="1.0" encoding="utf-8"?>
+<file path=ppt/slides/slide11.xml><?xml version="1.0" encoding="utf-8"?>
 <p:sld xmlns:a="http://schemas.openxmlformats.org/drawingml/2006/main" xmlns:r="http://schemas.openxmlformats.org/officeDocument/2006/relationships" xmlns:p="http://schemas.openxmlformats.org/presentationml/2006/main">
   <p:cSld>
     <p:spTree>
@@ -3578,7 +3527,7 @@
 </p:sld>
 </file>
 
-<file path=ppt/slides/slide13.xml><?xml version="1.0" encoding="utf-8"?>
+<file path=ppt/slides/slide12.xml><?xml version="1.0" encoding="utf-8"?>
 <p:sld xmlns:a="http://schemas.openxmlformats.org/drawingml/2006/main" xmlns:r="http://schemas.openxmlformats.org/officeDocument/2006/relationships" xmlns:p="http://schemas.openxmlformats.org/presentationml/2006/main">
   <p:cSld>
     <p:spTree>
@@ -3913,7 +3862,7 @@
 </p:sld>
 </file>
 
-<file path=ppt/slides/slide14.xml><?xml version="1.0" encoding="utf-8"?>
+<file path=ppt/slides/slide13.xml><?xml version="1.0" encoding="utf-8"?>
 <p:sld xmlns:a="http://schemas.openxmlformats.org/drawingml/2006/main" xmlns:r="http://schemas.openxmlformats.org/officeDocument/2006/relationships" xmlns:p="http://schemas.openxmlformats.org/presentationml/2006/main">
   <p:cSld>
     <p:spTree>
@@ -3963,7 +3912,7 @@
 </p:sld>
 </file>
 
-<file path=ppt/slides/slide15.xml><?xml version="1.0" encoding="utf-8"?>
+<file path=ppt/slides/slide14.xml><?xml version="1.0" encoding="utf-8"?>
 <p:sld xmlns:a="http://schemas.openxmlformats.org/drawingml/2006/main" xmlns:r="http://schemas.openxmlformats.org/officeDocument/2006/relationships" xmlns:p="http://schemas.openxmlformats.org/presentationml/2006/main">
   <p:cSld>
     <p:spTree>
@@ -4212,7 +4161,7 @@
 </p:sld>
 </file>
 
-<file path=ppt/slides/slide16.xml><?xml version="1.0" encoding="utf-8"?>
+<file path=ppt/slides/slide15.xml><?xml version="1.0" encoding="utf-8"?>
 <p:sld xmlns:a="http://schemas.openxmlformats.org/drawingml/2006/main" xmlns:r="http://schemas.openxmlformats.org/officeDocument/2006/relationships" xmlns:p="http://schemas.openxmlformats.org/presentationml/2006/main">
   <p:cSld>
     <p:spTree>
@@ -4292,7 +4241,7 @@
 </p:sld>
 </file>
 
-<file path=ppt/slides/slide17.xml><?xml version="1.0" encoding="utf-8"?>
+<file path=ppt/slides/slide16.xml><?xml version="1.0" encoding="utf-8"?>
 <p:sld xmlns:a="http://schemas.openxmlformats.org/drawingml/2006/main" xmlns:r="http://schemas.openxmlformats.org/officeDocument/2006/relationships" xmlns:p="http://schemas.openxmlformats.org/presentationml/2006/main">
   <p:cSld>
     <p:spTree>
@@ -4745,7 +4694,7 @@
 </p:sld>
 </file>
 
-<file path=ppt/slides/slide18.xml><?xml version="1.0" encoding="utf-8"?>
+<file path=ppt/slides/slide17.xml><?xml version="1.0" encoding="utf-8"?>
 <p:sld xmlns:a="http://schemas.openxmlformats.org/drawingml/2006/main" xmlns:r="http://schemas.openxmlformats.org/officeDocument/2006/relationships" xmlns:p="http://schemas.openxmlformats.org/presentationml/2006/main">
   <p:cSld>
     <p:spTree>
@@ -5147,7 +5096,7 @@
 </p:sld>
 </file>
 
-<file path=ppt/slides/slide19.xml><?xml version="1.0" encoding="utf-8"?>
+<file path=ppt/slides/slide18.xml><?xml version="1.0" encoding="utf-8"?>
 <p:sld xmlns:a="http://schemas.openxmlformats.org/drawingml/2006/main" xmlns:r="http://schemas.openxmlformats.org/officeDocument/2006/relationships" xmlns:p="http://schemas.openxmlformats.org/presentationml/2006/main">
   <p:cSld>
     <p:spTree>
@@ -5485,6 +5434,61 @@
 </p:sld>
 </file>
 
+<file path=ppt/slides/slide19.xml><?xml version="1.0" encoding="utf-8"?>
+<p:sld xmlns:a="http://schemas.openxmlformats.org/drawingml/2006/main" xmlns:r="http://schemas.openxmlformats.org/officeDocument/2006/relationships" xmlns:p="http://schemas.openxmlformats.org/presentationml/2006/main">
+  <p:cSld>
+    <p:spTree>
+      <p:nvGrpSpPr>
+        <p:cNvPr id="1" name=""/>
+        <p:cNvGrpSpPr/>
+        <p:nvPr/>
+      </p:nvGrpSpPr>
+      <p:grpSpPr>
+        <a:xfrm>
+          <a:off x="0" y="0"/>
+          <a:ext cx="0" cy="0"/>
+          <a:chOff x="0" y="0"/>
+          <a:chExt cx="0" cy="0"/>
+        </a:xfrm>
+      </p:grpSpPr>
+      <p:sp>
+        <p:nvSpPr>
+          <p:cNvPr id="3" name="Content Placeholder 2"/>
+          <p:cNvSpPr>
+            <a:spLocks noGrp="1"/>
+          </p:cNvSpPr>
+          <p:nvPr>
+            <p:ph idx="1"/>
+          </p:nvPr>
+        </p:nvSpPr>
+        <p:spPr/>
+        <p:txBody>
+          <a:bodyPr/>
+          <a:lstStyle/>
+          <a:p>
+            <a:pPr lvl="0" indent="0" marL="0">
+              <a:spcBef>
+                <a:spcPts val="3000"/>
+              </a:spcBef>
+              <a:buNone/>
+            </a:pPr>
+            <a:r>
+              <a:rPr b="1"/>
+              <a:t>Use Case 3 - Validating R Packages</a:t>
+            </a:r>
+          </a:p>
+          <a:p>
+            <a:pPr lvl="0" indent="0" marL="0">
+              <a:buNone/>
+            </a:pPr>
+          </a:p>
+        </p:txBody>
+      </p:sp>
+    </p:spTree>
+  </p:cSld>
+</p:sld>
+</file>
+
 <file path=ppt/slides/slide2.xml><?xml version="1.0" encoding="utf-8"?>
 <p:sld xmlns:a="http://schemas.openxmlformats.org/drawingml/2006/main" xmlns:r="http://schemas.openxmlformats.org/officeDocument/2006/relationships" xmlns:p="http://schemas.openxmlformats.org/presentationml/2006/main">
   <p:cSld>
@@ -5698,61 +5702,6 @@
 </file>
 
 <file path=ppt/slides/slide20.xml><?xml version="1.0" encoding="utf-8"?>
-<p:sld xmlns:a="http://schemas.openxmlformats.org/drawingml/2006/main" xmlns:r="http://schemas.openxmlformats.org/officeDocument/2006/relationships" xmlns:p="http://schemas.openxmlformats.org/presentationml/2006/main">
-  <p:cSld>
-    <p:spTree>
-      <p:nvGrpSpPr>
-        <p:cNvPr id="1" name=""/>
-        <p:cNvGrpSpPr/>
-        <p:nvPr/>
-      </p:nvGrpSpPr>
-      <p:grpSpPr>
-        <a:xfrm>
-          <a:off x="0" y="0"/>
-          <a:ext cx="0" cy="0"/>
-          <a:chOff x="0" y="0"/>
-          <a:chExt cx="0" cy="0"/>
-        </a:xfrm>
-      </p:grpSpPr>
-      <p:sp>
-        <p:nvSpPr>
-          <p:cNvPr id="3" name="Content Placeholder 2"/>
-          <p:cNvSpPr>
-            <a:spLocks noGrp="1"/>
-          </p:cNvSpPr>
-          <p:nvPr>
-            <p:ph idx="1"/>
-          </p:nvPr>
-        </p:nvSpPr>
-        <p:spPr/>
-        <p:txBody>
-          <a:bodyPr/>
-          <a:lstStyle/>
-          <a:p>
-            <a:pPr lvl="0" indent="0" marL="0">
-              <a:spcBef>
-                <a:spcPts val="3000"/>
-              </a:spcBef>
-              <a:buNone/>
-            </a:pPr>
-            <a:r>
-              <a:rPr b="1"/>
-              <a:t>Use Case 3 - Validating R Packages</a:t>
-            </a:r>
-          </a:p>
-          <a:p>
-            <a:pPr lvl="0" indent="0" marL="0">
-              <a:buNone/>
-            </a:pPr>
-          </a:p>
-        </p:txBody>
-      </p:sp>
-    </p:spTree>
-  </p:cSld>
-</p:sld>
-</file>
-
-<file path=ppt/slides/slide21.xml><?xml version="1.0" encoding="utf-8"?>
 <p:sld xmlns:a="http://schemas.openxmlformats.org/drawingml/2006/main" xmlns:r="http://schemas.openxmlformats.org/officeDocument/2006/relationships" xmlns:p="http://schemas.openxmlformats.org/presentationml/2006/main">
   <p:cSld>
     <p:spTree>
@@ -6139,7 +6088,7 @@
 </p:sld>
 </file>
 
-<file path=ppt/slides/slide22.xml><?xml version="1.0" encoding="utf-8"?>
+<file path=ppt/slides/slide21.xml><?xml version="1.0" encoding="utf-8"?>
 <p:sld xmlns:a="http://schemas.openxmlformats.org/drawingml/2006/main" xmlns:r="http://schemas.openxmlformats.org/officeDocument/2006/relationships" xmlns:p="http://schemas.openxmlformats.org/presentationml/2006/main">
   <p:cSld>
     <p:spTree>
@@ -7449,8 +7398,34 @@
             </a:pPr>
             <a:r>
               <a:rPr/>
-              <a:t>Ensuring technical innovation</a:t>
-            </a:r>
+              <a:t>Two Case Studies</a:t>
+            </a:r>
+          </a:p>
+        </p:txBody>
+      </p:sp>
+      <p:sp>
+        <p:nvSpPr>
+          <p:cNvPr id="3" name="Content Placeholder 2"/>
+          <p:cNvSpPr>
+            <a:spLocks noGrp="1"/>
+          </p:cNvSpPr>
+          <p:nvPr>
+            <p:ph idx="1"/>
+          </p:nvPr>
+        </p:nvSpPr>
+        <p:spPr/>
+        <p:txBody>
+          <a:bodyPr/>
+          <a:lstStyle/>
+          <a:p>
+            <a:pPr lvl="0" indent="0" marL="0">
+              <a:buNone/>
+            </a:pPr>
+          </a:p>
+          <a:p>
+            <a:pPr lvl="0" indent="0" marL="0">
+              <a:buNone/>
+            </a:pPr>
           </a:p>
         </p:txBody>
       </p:sp>
@@ -7496,7 +7471,7 @@
             </a:pPr>
             <a:r>
               <a:rPr/>
-              <a:t>Two Case Studies</a:t>
+              <a:t>Case Study - admiral</a:t>
             </a:r>
           </a:p>
         </p:txBody>
@@ -7517,8 +7492,15 @@
           <a:lstStyle/>
           <a:p>
             <a:pPr lvl="0" indent="0" marL="0">
+              <a:spcBef>
+                <a:spcPts val="3000"/>
+              </a:spcBef>
               <a:buNone/>
             </a:pPr>
+            <a:r>
+              <a:rPr b="1"/>
+              <a:t>About admiral</a:t>
+            </a:r>
           </a:p>
           <a:p>
             <a:pPr lvl="0" indent="0" marL="0">
@@ -7533,86 +7515,6 @@
 </file>
 
 <file path=ppt/slides/slide6.xml><?xml version="1.0" encoding="utf-8"?>
-<p:sld xmlns:a="http://schemas.openxmlformats.org/drawingml/2006/main" xmlns:r="http://schemas.openxmlformats.org/officeDocument/2006/relationships" xmlns:p="http://schemas.openxmlformats.org/presentationml/2006/main">
-  <p:cSld>
-    <p:spTree>
-      <p:nvGrpSpPr>
-        <p:cNvPr id="1" name=""/>
-        <p:cNvGrpSpPr/>
-        <p:nvPr/>
-      </p:nvGrpSpPr>
-      <p:grpSpPr>
-        <a:xfrm>
-          <a:off x="0" y="0"/>
-          <a:ext cx="0" cy="0"/>
-          <a:chOff x="0" y="0"/>
-          <a:chExt cx="0" cy="0"/>
-        </a:xfrm>
-      </p:grpSpPr>
-      <p:sp>
-        <p:nvSpPr>
-          <p:cNvPr id="2" name="Title 1"/>
-          <p:cNvSpPr>
-            <a:spLocks noGrp="1"/>
-          </p:cNvSpPr>
-          <p:nvPr>
-            <p:ph type="title"/>
-          </p:nvPr>
-        </p:nvSpPr>
-        <p:spPr/>
-        <p:txBody>
-          <a:bodyPr/>
-          <a:lstStyle/>
-          <a:p>
-            <a:pPr lvl="0" indent="0" marL="0">
-              <a:buNone/>
-            </a:pPr>
-            <a:r>
-              <a:rPr/>
-              <a:t>Case Study - admiral</a:t>
-            </a:r>
-          </a:p>
-        </p:txBody>
-      </p:sp>
-      <p:sp>
-        <p:nvSpPr>
-          <p:cNvPr id="3" name="Content Placeholder 2"/>
-          <p:cNvSpPr>
-            <a:spLocks noGrp="1"/>
-          </p:cNvSpPr>
-          <p:nvPr>
-            <p:ph idx="1"/>
-          </p:nvPr>
-        </p:nvSpPr>
-        <p:spPr/>
-        <p:txBody>
-          <a:bodyPr/>
-          <a:lstStyle/>
-          <a:p>
-            <a:pPr lvl="0" indent="0" marL="0">
-              <a:spcBef>
-                <a:spcPts val="3000"/>
-              </a:spcBef>
-              <a:buNone/>
-            </a:pPr>
-            <a:r>
-              <a:rPr b="1"/>
-              <a:t>About admiral</a:t>
-            </a:r>
-          </a:p>
-          <a:p>
-            <a:pPr lvl="0" indent="0" marL="0">
-              <a:buNone/>
-            </a:pPr>
-          </a:p>
-        </p:txBody>
-      </p:sp>
-    </p:spTree>
-  </p:cSld>
-</p:sld>
-</file>
-
-<file path=ppt/slides/slide7.xml><?xml version="1.0" encoding="utf-8"?>
 <p:sld xmlns:a="http://schemas.openxmlformats.org/drawingml/2006/main" xmlns:r="http://schemas.openxmlformats.org/officeDocument/2006/relationships" xmlns:p="http://schemas.openxmlformats.org/presentationml/2006/main">
   <p:cSld>
     <p:spTree>
@@ -8127,7 +8029,7 @@
 </p:sld>
 </file>
 
-<file path=ppt/slides/slide8.xml><?xml version="1.0" encoding="utf-8"?>
+<file path=ppt/slides/slide7.xml><?xml version="1.0" encoding="utf-8"?>
 <p:sld xmlns:a="http://schemas.openxmlformats.org/drawingml/2006/main" xmlns:r="http://schemas.openxmlformats.org/officeDocument/2006/relationships" xmlns:p="http://schemas.openxmlformats.org/presentationml/2006/main">
   <p:cSld>
     <p:spTree>
@@ -8177,7 +8079,7 @@
 </p:sld>
 </file>
 
-<file path=ppt/slides/slide9.xml><?xml version="1.0" encoding="utf-8"?>
+<file path=ppt/slides/slide8.xml><?xml version="1.0" encoding="utf-8"?>
 <p:sld xmlns:a="http://schemas.openxmlformats.org/drawingml/2006/main" xmlns:r="http://schemas.openxmlformats.org/officeDocument/2006/relationships" xmlns:p="http://schemas.openxmlformats.org/presentationml/2006/main">
   <p:cSld>
     <p:spTree>
@@ -8525,6 +8427,56 @@
       <p:bldP spid="3" grpId="0" uiExpand="1" build="p"/>
     </p:bldLst>
   </p:timing>
+</p:sld>
+</file>
+
+<file path=ppt/slides/slide9.xml><?xml version="1.0" encoding="utf-8"?>
+<p:sld xmlns:a="http://schemas.openxmlformats.org/drawingml/2006/main" xmlns:r="http://schemas.openxmlformats.org/officeDocument/2006/relationships" xmlns:p="http://schemas.openxmlformats.org/presentationml/2006/main">
+  <p:cSld>
+    <p:spTree>
+      <p:nvGrpSpPr>
+        <p:cNvPr id="1" name=""/>
+        <p:cNvGrpSpPr/>
+        <p:nvPr/>
+      </p:nvGrpSpPr>
+      <p:grpSpPr>
+        <a:xfrm>
+          <a:off x="0" y="0"/>
+          <a:ext cx="0" cy="0"/>
+          <a:chOff x="0" y="0"/>
+          <a:chExt cx="0" cy="0"/>
+        </a:xfrm>
+      </p:grpSpPr>
+      <p:sp>
+        <p:nvSpPr>
+          <p:cNvPr id="3" name="Content Placeholder 2"/>
+          <p:cNvSpPr>
+            <a:spLocks noGrp="1"/>
+          </p:cNvSpPr>
+          <p:nvPr>
+            <p:ph idx="1"/>
+          </p:nvPr>
+        </p:nvSpPr>
+        <p:spPr/>
+        <p:txBody>
+          <a:bodyPr/>
+          <a:lstStyle/>
+          <a:p>
+            <a:pPr lvl="0" indent="0" marL="0">
+              <a:spcBef>
+                <a:spcPts val="3000"/>
+              </a:spcBef>
+              <a:buNone/>
+            </a:pPr>
+            <a:r>
+              <a:rPr b="1"/>
+              <a:t>Solution 1 - CI/CD for Templates</a:t>
+            </a:r>
+          </a:p>
+        </p:txBody>
+      </p:sp>
+    </p:spTree>
+  </p:cSld>
 </p:sld>
 </file>
 

--- a/presentation/index.pptx
+++ b/presentation/index.pptx
@@ -3953,7 +3953,7 @@
               <a:rPr>
                 <a:latin typeface="Courier"/>
               </a:rPr>
-              <a:t>admiralci</a:t>
+              <a:t>{admiralci}</a:t>
             </a:r>
             <a:r>
               <a:rPr/>
@@ -4289,7 +4289,17 @@
             </a:r>
             <a:r>
               <a:rPr/>
-              <a:t> for creating TLGs</a:t>
+              <a:t> and </a:t>
+            </a:r>
+            <a:r>
+              <a:rPr>
+                <a:latin typeface="Courier"/>
+              </a:rPr>
+              <a:t>rtables</a:t>
+            </a:r>
+            <a:r>
+              <a:rPr/>
+              <a:t>for creating TLGs</a:t>
             </a:r>
           </a:p>
           <a:p>
@@ -4327,7 +4337,16 @@
               <a:rPr>
                 <a:hlinkClick r:id="rId3"/>
               </a:rPr>
-              <a:t>NEST GitHub Organization</a:t>
+              <a:t>tern</a:t>
+            </a:r>
+          </a:p>
+          <a:p>
+            <a:pPr lvl="1"/>
+            <a:r>
+              <a:rPr>
+                <a:hlinkClick r:id="rId4"/>
+              </a:rPr>
+              <a:t>teal</a:t>
             </a:r>
           </a:p>
         </p:txBody>
@@ -4341,7 +4360,7 @@
           <p:nvPr/>
         </p:nvPicPr>
         <p:blipFill>
-          <a:blip r:embed="rId4"/>
+          <a:blip r:embed="rId5"/>
           <a:stretch>
             <a:fillRect/>
           </a:stretch>
@@ -4646,6 +4665,55 @@
                                           <p:spTgt spid="3">
                                             <p:txEl>
                                               <p:pRg st="5" end="5"/>
+                                            </p:txEl>
+                                          </p:spTgt>
+                                        </p:tgtEl>
+                                        <p:attrNameLst>
+                                          <p:attrName>style.visibility</p:attrName>
+                                        </p:attrNameLst>
+                                      </p:cBhvr>
+                                      <p:to>
+                                        <p:strVal val="visible"/>
+                                      </p:to>
+                                    </p:set>
+                                  </p:childTnLst>
+                                </p:cTn>
+                              </p:par>
+                            </p:childTnLst>
+                          </p:cTn>
+                        </p:par>
+                      </p:childTnLst>
+                    </p:cTn>
+                  </p:par>
+                  <p:par>
+                    <p:cTn id="27" fill="hold">
+                      <p:stCondLst>
+                        <p:cond delay="indefinite"/>
+                      </p:stCondLst>
+                      <p:childTnLst>
+                        <p:par>
+                          <p:cTn id="28" fill="hold">
+                            <p:stCondLst>
+                              <p:cond delay="0"/>
+                            </p:stCondLst>
+                            <p:childTnLst>
+                              <p:par>
+                                <p:cTn id="29" presetID="1" presetClass="entr" presetSubtype="0" fill="hold" grpId="0" nodeType="clickEffect">
+                                  <p:stCondLst>
+                                    <p:cond delay="0"/>
+                                  </p:stCondLst>
+                                  <p:childTnLst>
+                                    <p:set>
+                                      <p:cBhvr>
+                                        <p:cTn id="30" dur="1" fill="hold">
+                                          <p:stCondLst>
+                                            <p:cond delay="0"/>
+                                          </p:stCondLst>
+                                        </p:cTn>
+                                        <p:tgtEl>
+                                          <p:spTgt spid="3">
+                                            <p:txEl>
+                                              <p:pRg st="6" end="6"/>
                                             </p:txEl>
                                           </p:spTgt>
                                         </p:tgtEl>

--- a/presentation/index.pptx
+++ b/presentation/index.pptx
@@ -26,6 +26,7 @@
     <p:sldId id="274" r:id="rId20"/>
     <p:sldId id="275" r:id="rId21"/>
     <p:sldId id="276" r:id="rId22"/>
+    <p:sldId id="277" r:id="rId23"/>
   </p:sldIdLst>
   <p:sldSz cx="9144000" cy="5143500" type="screen16x9"/>
   <p:notesSz cx="6858000" cy="9144000"/>
@@ -3192,6 +3193,56 @@
       </p:grpSpPr>
       <p:sp>
         <p:nvSpPr>
+          <p:cNvPr id="3" name="Content Placeholder 2"/>
+          <p:cNvSpPr>
+            <a:spLocks noGrp="1"/>
+          </p:cNvSpPr>
+          <p:nvPr>
+            <p:ph idx="1"/>
+          </p:nvPr>
+        </p:nvSpPr>
+        <p:spPr/>
+        <p:txBody>
+          <a:bodyPr/>
+          <a:lstStyle/>
+          <a:p>
+            <a:pPr lvl="0" indent="0" marL="0">
+              <a:spcBef>
+                <a:spcPts val="3000"/>
+              </a:spcBef>
+              <a:buNone/>
+            </a:pPr>
+            <a:r>
+              <a:rPr b="1"/>
+              <a:t>Solution 1 - CI/CD for Templates</a:t>
+            </a:r>
+          </a:p>
+        </p:txBody>
+      </p:sp>
+    </p:spTree>
+  </p:cSld>
+</p:sld>
+</file>
+
+<file path=ppt/slides/slide11.xml><?xml version="1.0" encoding="utf-8"?>
+<p:sld xmlns:a="http://schemas.openxmlformats.org/drawingml/2006/main" xmlns:r="http://schemas.openxmlformats.org/officeDocument/2006/relationships" xmlns:p="http://schemas.openxmlformats.org/presentationml/2006/main">
+  <p:cSld>
+    <p:spTree>
+      <p:nvGrpSpPr>
+        <p:cNvPr id="1" name=""/>
+        <p:cNvGrpSpPr/>
+        <p:nvPr/>
+      </p:nvGrpSpPr>
+      <p:grpSpPr>
+        <a:xfrm>
+          <a:off x="0" y="0"/>
+          <a:ext cx="0" cy="0"/>
+          <a:chOff x="0" y="0"/>
+          <a:chExt cx="0" cy="0"/>
+        </a:xfrm>
+      </p:grpSpPr>
+      <p:sp>
+        <p:nvSpPr>
           <p:cNvPr id="3" name="Text Placeholder 2"/>
           <p:cNvSpPr>
             <a:spLocks noGrp="1"/>
@@ -3477,7 +3528,7 @@
 </p:sld>
 </file>
 
-<file path=ppt/slides/slide11.xml><?xml version="1.0" encoding="utf-8"?>
+<file path=ppt/slides/slide12.xml><?xml version="1.0" encoding="utf-8"?>
 <p:sld xmlns:a="http://schemas.openxmlformats.org/drawingml/2006/main" xmlns:r="http://schemas.openxmlformats.org/officeDocument/2006/relationships" xmlns:p="http://schemas.openxmlformats.org/presentationml/2006/main">
   <p:cSld>
     <p:spTree>
@@ -3527,7 +3578,7 @@
 </p:sld>
 </file>
 
-<file path=ppt/slides/slide12.xml><?xml version="1.0" encoding="utf-8"?>
+<file path=ppt/slides/slide13.xml><?xml version="1.0" encoding="utf-8"?>
 <p:sld xmlns:a="http://schemas.openxmlformats.org/drawingml/2006/main" xmlns:r="http://schemas.openxmlformats.org/officeDocument/2006/relationships" xmlns:p="http://schemas.openxmlformats.org/presentationml/2006/main">
   <p:cSld>
     <p:spTree>
@@ -3862,7 +3913,7 @@
 </p:sld>
 </file>
 
-<file path=ppt/slides/slide13.xml><?xml version="1.0" encoding="utf-8"?>
+<file path=ppt/slides/slide14.xml><?xml version="1.0" encoding="utf-8"?>
 <p:sld xmlns:a="http://schemas.openxmlformats.org/drawingml/2006/main" xmlns:r="http://schemas.openxmlformats.org/officeDocument/2006/relationships" xmlns:p="http://schemas.openxmlformats.org/presentationml/2006/main">
   <p:cSld>
     <p:spTree>
@@ -3912,7 +3963,7 @@
 </p:sld>
 </file>
 
-<file path=ppt/slides/slide14.xml><?xml version="1.0" encoding="utf-8"?>
+<file path=ppt/slides/slide15.xml><?xml version="1.0" encoding="utf-8"?>
 <p:sld xmlns:a="http://schemas.openxmlformats.org/drawingml/2006/main" xmlns:r="http://schemas.openxmlformats.org/officeDocument/2006/relationships" xmlns:p="http://schemas.openxmlformats.org/presentationml/2006/main">
   <p:cSld>
     <p:spTree>
@@ -4161,7 +4212,7 @@
 </p:sld>
 </file>
 
-<file path=ppt/slides/slide15.xml><?xml version="1.0" encoding="utf-8"?>
+<file path=ppt/slides/slide16.xml><?xml version="1.0" encoding="utf-8"?>
 <p:sld xmlns:a="http://schemas.openxmlformats.org/drawingml/2006/main" xmlns:r="http://schemas.openxmlformats.org/officeDocument/2006/relationships" xmlns:p="http://schemas.openxmlformats.org/presentationml/2006/main">
   <p:cSld>
     <p:spTree>
@@ -4241,7 +4292,7 @@
 </p:sld>
 </file>
 
-<file path=ppt/slides/slide16.xml><?xml version="1.0" encoding="utf-8"?>
+<file path=ppt/slides/slide17.xml><?xml version="1.0" encoding="utf-8"?>
 <p:sld xmlns:a="http://schemas.openxmlformats.org/drawingml/2006/main" xmlns:r="http://schemas.openxmlformats.org/officeDocument/2006/relationships" xmlns:p="http://schemas.openxmlformats.org/presentationml/2006/main">
   <p:cSld>
     <p:spTree>
@@ -4762,7 +4813,7 @@
 </p:sld>
 </file>
 
-<file path=ppt/slides/slide17.xml><?xml version="1.0" encoding="utf-8"?>
+<file path=ppt/slides/slide18.xml><?xml version="1.0" encoding="utf-8"?>
 <p:sld xmlns:a="http://schemas.openxmlformats.org/drawingml/2006/main" xmlns:r="http://schemas.openxmlformats.org/officeDocument/2006/relationships" xmlns:p="http://schemas.openxmlformats.org/presentationml/2006/main">
   <p:cSld>
     <p:spTree>
@@ -5164,7 +5215,7 @@
 </p:sld>
 </file>
 
-<file path=ppt/slides/slide18.xml><?xml version="1.0" encoding="utf-8"?>
+<file path=ppt/slides/slide19.xml><?xml version="1.0" encoding="utf-8"?>
 <p:sld xmlns:a="http://schemas.openxmlformats.org/drawingml/2006/main" xmlns:r="http://schemas.openxmlformats.org/officeDocument/2006/relationships" xmlns:p="http://schemas.openxmlformats.org/presentationml/2006/main">
   <p:cSld>
     <p:spTree>
@@ -5502,61 +5553,6 @@
 </p:sld>
 </file>
 
-<file path=ppt/slides/slide19.xml><?xml version="1.0" encoding="utf-8"?>
-<p:sld xmlns:a="http://schemas.openxmlformats.org/drawingml/2006/main" xmlns:r="http://schemas.openxmlformats.org/officeDocument/2006/relationships" xmlns:p="http://schemas.openxmlformats.org/presentationml/2006/main">
-  <p:cSld>
-    <p:spTree>
-      <p:nvGrpSpPr>
-        <p:cNvPr id="1" name=""/>
-        <p:cNvGrpSpPr/>
-        <p:nvPr/>
-      </p:nvGrpSpPr>
-      <p:grpSpPr>
-        <a:xfrm>
-          <a:off x="0" y="0"/>
-          <a:ext cx="0" cy="0"/>
-          <a:chOff x="0" y="0"/>
-          <a:chExt cx="0" cy="0"/>
-        </a:xfrm>
-      </p:grpSpPr>
-      <p:sp>
-        <p:nvSpPr>
-          <p:cNvPr id="3" name="Content Placeholder 2"/>
-          <p:cNvSpPr>
-            <a:spLocks noGrp="1"/>
-          </p:cNvSpPr>
-          <p:nvPr>
-            <p:ph idx="1"/>
-          </p:nvPr>
-        </p:nvSpPr>
-        <p:spPr/>
-        <p:txBody>
-          <a:bodyPr/>
-          <a:lstStyle/>
-          <a:p>
-            <a:pPr lvl="0" indent="0" marL="0">
-              <a:spcBef>
-                <a:spcPts val="3000"/>
-              </a:spcBef>
-              <a:buNone/>
-            </a:pPr>
-            <a:r>
-              <a:rPr b="1"/>
-              <a:t>Use Case 3 - Validating R Packages</a:t>
-            </a:r>
-          </a:p>
-          <a:p>
-            <a:pPr lvl="0" indent="0" marL="0">
-              <a:buNone/>
-            </a:pPr>
-          </a:p>
-        </p:txBody>
-      </p:sp>
-    </p:spTree>
-  </p:cSld>
-</p:sld>
-</file>
-
 <file path=ppt/slides/slide2.xml><?xml version="1.0" encoding="utf-8"?>
 <p:sld xmlns:a="http://schemas.openxmlformats.org/drawingml/2006/main" xmlns:r="http://schemas.openxmlformats.org/officeDocument/2006/relationships" xmlns:p="http://schemas.openxmlformats.org/presentationml/2006/main">
   <p:cSld>
@@ -5628,7 +5624,17 @@
             </a:r>
             <a:r>
               <a:rPr/>
-              <a:t> in building, testing and deployment of applications. CI/CD services compile the incremental code changes made by developers, then link and package them into software deliverables</a:t>
+              <a:t> in building, testing and deployment of </a:t>
+            </a:r>
+            <a:r>
+              <a:rPr>
+                <a:latin typeface="Courier"/>
+              </a:rPr>
+              <a:t>{pharmaverse}</a:t>
+            </a:r>
+            <a:r>
+              <a:rPr/>
+              <a:t> R packages.</a:t>
             </a:r>
           </a:p>
         </p:txBody>
@@ -5770,6 +5776,61 @@
 </file>
 
 <file path=ppt/slides/slide20.xml><?xml version="1.0" encoding="utf-8"?>
+<p:sld xmlns:a="http://schemas.openxmlformats.org/drawingml/2006/main" xmlns:r="http://schemas.openxmlformats.org/officeDocument/2006/relationships" xmlns:p="http://schemas.openxmlformats.org/presentationml/2006/main">
+  <p:cSld>
+    <p:spTree>
+      <p:nvGrpSpPr>
+        <p:cNvPr id="1" name=""/>
+        <p:cNvGrpSpPr/>
+        <p:nvPr/>
+      </p:nvGrpSpPr>
+      <p:grpSpPr>
+        <a:xfrm>
+          <a:off x="0" y="0"/>
+          <a:ext cx="0" cy="0"/>
+          <a:chOff x="0" y="0"/>
+          <a:chExt cx="0" cy="0"/>
+        </a:xfrm>
+      </p:grpSpPr>
+      <p:sp>
+        <p:nvSpPr>
+          <p:cNvPr id="3" name="Content Placeholder 2"/>
+          <p:cNvSpPr>
+            <a:spLocks noGrp="1"/>
+          </p:cNvSpPr>
+          <p:nvPr>
+            <p:ph idx="1"/>
+          </p:nvPr>
+        </p:nvSpPr>
+        <p:spPr/>
+        <p:txBody>
+          <a:bodyPr/>
+          <a:lstStyle/>
+          <a:p>
+            <a:pPr lvl="0" indent="0" marL="0">
+              <a:spcBef>
+                <a:spcPts val="3000"/>
+              </a:spcBef>
+              <a:buNone/>
+            </a:pPr>
+            <a:r>
+              <a:rPr b="1"/>
+              <a:t>Use Case 3 - Validating R Packages</a:t>
+            </a:r>
+          </a:p>
+          <a:p>
+            <a:pPr lvl="0" indent="0" marL="0">
+              <a:buNone/>
+            </a:pPr>
+          </a:p>
+        </p:txBody>
+      </p:sp>
+    </p:spTree>
+  </p:cSld>
+</p:sld>
+</file>
+
+<file path=ppt/slides/slide21.xml><?xml version="1.0" encoding="utf-8"?>
 <p:sld xmlns:a="http://schemas.openxmlformats.org/drawingml/2006/main" xmlns:r="http://schemas.openxmlformats.org/officeDocument/2006/relationships" xmlns:p="http://schemas.openxmlformats.org/presentationml/2006/main">
   <p:cSld>
     <p:spTree>
@@ -6156,7 +6217,7 @@
 </p:sld>
 </file>
 
-<file path=ppt/slides/slide21.xml><?xml version="1.0" encoding="utf-8"?>
+<file path=ppt/slides/slide22.xml><?xml version="1.0" encoding="utf-8"?>
 <p:sld xmlns:a="http://schemas.openxmlformats.org/drawingml/2006/main" xmlns:r="http://schemas.openxmlformats.org/officeDocument/2006/relationships" xmlns:p="http://schemas.openxmlformats.org/presentationml/2006/main">
   <p:cSld>
     <p:spTree>
@@ -6842,6 +6903,88 @@
           <a:chExt cx="0" cy="0"/>
         </a:xfrm>
       </p:grpSpPr>
+      <p:pic>
+        <p:nvPicPr>
+          <p:cNvPr descr="images/cicd.jpg" id="0" name="Picture 1"/>
+          <p:cNvPicPr>
+            <a:picLocks noGrp="1" noChangeAspect="1"/>
+          </p:cNvPicPr>
+          <p:nvPr/>
+        </p:nvPicPr>
+        <p:blipFill>
+          <a:blip r:embed="rId2"/>
+          <a:stretch>
+            <a:fillRect/>
+          </a:stretch>
+        </p:blipFill>
+        <p:spPr bwMode="auto">
+          <a:xfrm>
+            <a:off x="457200" y="1816100"/>
+            <a:ext cx="4038600" cy="2133600"/>
+          </a:xfrm>
+          <a:prstGeom prst="rect">
+            <a:avLst/>
+          </a:prstGeom>
+          <a:noFill/>
+          <a:ln w="9525">
+            <a:noFill/>
+            <a:headEnd/>
+            <a:tailEnd/>
+          </a:ln>
+        </p:spPr>
+      </p:pic>
+      <p:pic>
+        <p:nvPicPr>
+          <p:cNvPr descr="images/pharmaverse.png" id="0" name="Picture 1"/>
+          <p:cNvPicPr>
+            <a:picLocks noGrp="1" noChangeAspect="1"/>
+          </p:cNvPicPr>
+          <p:nvPr/>
+        </p:nvPicPr>
+        <p:blipFill>
+          <a:blip r:embed="rId3"/>
+          <a:stretch>
+            <a:fillRect/>
+          </a:stretch>
+        </p:blipFill>
+        <p:spPr bwMode="auto">
+          <a:xfrm>
+            <a:off x="4978400" y="1193800"/>
+            <a:ext cx="3390900" cy="3390900"/>
+          </a:xfrm>
+          <a:prstGeom prst="rect">
+            <a:avLst/>
+          </a:prstGeom>
+          <a:noFill/>
+          <a:ln w="9525">
+            <a:noFill/>
+            <a:headEnd/>
+            <a:tailEnd/>
+          </a:ln>
+        </p:spPr>
+      </p:pic>
+    </p:spTree>
+  </p:cSld>
+</p:sld>
+</file>
+
+<file path=ppt/slides/slide4.xml><?xml version="1.0" encoding="utf-8"?>
+<p:sld xmlns:a="http://schemas.openxmlformats.org/drawingml/2006/main" xmlns:r="http://schemas.openxmlformats.org/officeDocument/2006/relationships" xmlns:p="http://schemas.openxmlformats.org/presentationml/2006/main">
+  <p:cSld>
+    <p:spTree>
+      <p:nvGrpSpPr>
+        <p:cNvPr id="1" name=""/>
+        <p:cNvGrpSpPr/>
+        <p:nvPr/>
+      </p:nvGrpSpPr>
+      <p:grpSpPr>
+        <a:xfrm>
+          <a:off x="0" y="0"/>
+          <a:ext cx="0" cy="0"/>
+          <a:chOff x="0" y="0"/>
+          <a:chExt cx="0" cy="0"/>
+        </a:xfrm>
+      </p:grpSpPr>
       <p:sp>
         <p:nvSpPr>
           <p:cNvPr id="3" name="Content Placeholder 2"/>
@@ -7429,79 +7572,6 @@
 </p:sld>
 </file>
 
-<file path=ppt/slides/slide4.xml><?xml version="1.0" encoding="utf-8"?>
-<p:sld xmlns:a="http://schemas.openxmlformats.org/drawingml/2006/main" xmlns:r="http://schemas.openxmlformats.org/officeDocument/2006/relationships" xmlns:p="http://schemas.openxmlformats.org/presentationml/2006/main">
-  <p:cSld>
-    <p:spTree>
-      <p:nvGrpSpPr>
-        <p:cNvPr id="1" name=""/>
-        <p:cNvGrpSpPr/>
-        <p:nvPr/>
-      </p:nvGrpSpPr>
-      <p:grpSpPr>
-        <a:xfrm>
-          <a:off x="0" y="0"/>
-          <a:ext cx="0" cy="0"/>
-          <a:chOff x="0" y="0"/>
-          <a:chExt cx="0" cy="0"/>
-        </a:xfrm>
-      </p:grpSpPr>
-      <p:sp>
-        <p:nvSpPr>
-          <p:cNvPr id="2" name="Title 1"/>
-          <p:cNvSpPr>
-            <a:spLocks noGrp="1"/>
-          </p:cNvSpPr>
-          <p:nvPr>
-            <p:ph type="title"/>
-          </p:nvPr>
-        </p:nvSpPr>
-        <p:spPr/>
-        <p:txBody>
-          <a:bodyPr/>
-          <a:lstStyle/>
-          <a:p>
-            <a:pPr lvl="0" indent="0" marL="0">
-              <a:buNone/>
-            </a:pPr>
-            <a:r>
-              <a:rPr/>
-              <a:t>Two Case Studies</a:t>
-            </a:r>
-          </a:p>
-        </p:txBody>
-      </p:sp>
-      <p:sp>
-        <p:nvSpPr>
-          <p:cNvPr id="3" name="Content Placeholder 2"/>
-          <p:cNvSpPr>
-            <a:spLocks noGrp="1"/>
-          </p:cNvSpPr>
-          <p:nvPr>
-            <p:ph idx="1"/>
-          </p:nvPr>
-        </p:nvSpPr>
-        <p:spPr/>
-        <p:txBody>
-          <a:bodyPr/>
-          <a:lstStyle/>
-          <a:p>
-            <a:pPr lvl="0" indent="0" marL="0">
-              <a:buNone/>
-            </a:pPr>
-          </a:p>
-          <a:p>
-            <a:pPr lvl="0" indent="0" marL="0">
-              <a:buNone/>
-            </a:pPr>
-          </a:p>
-        </p:txBody>
-      </p:sp>
-    </p:spTree>
-  </p:cSld>
-</p:sld>
-</file>
-
 <file path=ppt/slides/slide5.xml><?xml version="1.0" encoding="utf-8"?>
 <p:sld xmlns:a="http://schemas.openxmlformats.org/drawingml/2006/main" xmlns:r="http://schemas.openxmlformats.org/officeDocument/2006/relationships" xmlns:p="http://schemas.openxmlformats.org/presentationml/2006/main">
   <p:cSld>
@@ -7539,7 +7609,7 @@
             </a:pPr>
             <a:r>
               <a:rPr/>
-              <a:t>Case Study - admiral</a:t>
+              <a:t>Two Case Studies</a:t>
             </a:r>
           </a:p>
         </p:txBody>
@@ -7560,15 +7630,8 @@
           <a:lstStyle/>
           <a:p>
             <a:pPr lvl="0" indent="0" marL="0">
-              <a:spcBef>
-                <a:spcPts val="3000"/>
-              </a:spcBef>
               <a:buNone/>
             </a:pPr>
-            <a:r>
-              <a:rPr b="1"/>
-              <a:t>About admiral</a:t>
-            </a:r>
           </a:p>
           <a:p>
             <a:pPr lvl="0" indent="0" marL="0">
@@ -7583,6 +7646,86 @@
 </file>
 
 <file path=ppt/slides/slide6.xml><?xml version="1.0" encoding="utf-8"?>
+<p:sld xmlns:a="http://schemas.openxmlformats.org/drawingml/2006/main" xmlns:r="http://schemas.openxmlformats.org/officeDocument/2006/relationships" xmlns:p="http://schemas.openxmlformats.org/presentationml/2006/main">
+  <p:cSld>
+    <p:spTree>
+      <p:nvGrpSpPr>
+        <p:cNvPr id="1" name=""/>
+        <p:cNvGrpSpPr/>
+        <p:nvPr/>
+      </p:nvGrpSpPr>
+      <p:grpSpPr>
+        <a:xfrm>
+          <a:off x="0" y="0"/>
+          <a:ext cx="0" cy="0"/>
+          <a:chOff x="0" y="0"/>
+          <a:chExt cx="0" cy="0"/>
+        </a:xfrm>
+      </p:grpSpPr>
+      <p:sp>
+        <p:nvSpPr>
+          <p:cNvPr id="2" name="Title 1"/>
+          <p:cNvSpPr>
+            <a:spLocks noGrp="1"/>
+          </p:cNvSpPr>
+          <p:nvPr>
+            <p:ph type="title"/>
+          </p:nvPr>
+        </p:nvSpPr>
+        <p:spPr/>
+        <p:txBody>
+          <a:bodyPr/>
+          <a:lstStyle/>
+          <a:p>
+            <a:pPr lvl="0" indent="0" marL="0">
+              <a:buNone/>
+            </a:pPr>
+            <a:r>
+              <a:rPr/>
+              <a:t>Case Study - admiral</a:t>
+            </a:r>
+          </a:p>
+        </p:txBody>
+      </p:sp>
+      <p:sp>
+        <p:nvSpPr>
+          <p:cNvPr id="3" name="Content Placeholder 2"/>
+          <p:cNvSpPr>
+            <a:spLocks noGrp="1"/>
+          </p:cNvSpPr>
+          <p:nvPr>
+            <p:ph idx="1"/>
+          </p:nvPr>
+        </p:nvSpPr>
+        <p:spPr/>
+        <p:txBody>
+          <a:bodyPr/>
+          <a:lstStyle/>
+          <a:p>
+            <a:pPr lvl="0" indent="0" marL="0">
+              <a:spcBef>
+                <a:spcPts val="3000"/>
+              </a:spcBef>
+              <a:buNone/>
+            </a:pPr>
+            <a:r>
+              <a:rPr b="1"/>
+              <a:t>About admiral</a:t>
+            </a:r>
+          </a:p>
+          <a:p>
+            <a:pPr lvl="0" indent="0" marL="0">
+              <a:buNone/>
+            </a:pPr>
+          </a:p>
+        </p:txBody>
+      </p:sp>
+    </p:spTree>
+  </p:cSld>
+</p:sld>
+</file>
+
+<file path=ppt/slides/slide7.xml><?xml version="1.0" encoding="utf-8"?>
 <p:sld xmlns:a="http://schemas.openxmlformats.org/drawingml/2006/main" xmlns:r="http://schemas.openxmlformats.org/officeDocument/2006/relationships" xmlns:p="http://schemas.openxmlformats.org/presentationml/2006/main">
   <p:cSld>
     <p:spTree>
@@ -8097,7 +8240,7 @@
 </p:sld>
 </file>
 
-<file path=ppt/slides/slide7.xml><?xml version="1.0" encoding="utf-8"?>
+<file path=ppt/slides/slide8.xml><?xml version="1.0" encoding="utf-8"?>
 <p:sld xmlns:a="http://schemas.openxmlformats.org/drawingml/2006/main" xmlns:r="http://schemas.openxmlformats.org/officeDocument/2006/relationships" xmlns:p="http://schemas.openxmlformats.org/presentationml/2006/main">
   <p:cSld>
     <p:spTree>
@@ -8147,7 +8290,7 @@
 </p:sld>
 </file>
 
-<file path=ppt/slides/slide8.xml><?xml version="1.0" encoding="utf-8"?>
+<file path=ppt/slides/slide9.xml><?xml version="1.0" encoding="utf-8"?>
 <p:sld xmlns:a="http://schemas.openxmlformats.org/drawingml/2006/main" xmlns:r="http://schemas.openxmlformats.org/officeDocument/2006/relationships" xmlns:p="http://schemas.openxmlformats.org/presentationml/2006/main">
   <p:cSld>
     <p:spTree>
@@ -8495,56 +8638,6 @@
       <p:bldP spid="3" grpId="0" uiExpand="1" build="p"/>
     </p:bldLst>
   </p:timing>
-</p:sld>
-</file>
-
-<file path=ppt/slides/slide9.xml><?xml version="1.0" encoding="utf-8"?>
-<p:sld xmlns:a="http://schemas.openxmlformats.org/drawingml/2006/main" xmlns:r="http://schemas.openxmlformats.org/officeDocument/2006/relationships" xmlns:p="http://schemas.openxmlformats.org/presentationml/2006/main">
-  <p:cSld>
-    <p:spTree>
-      <p:nvGrpSpPr>
-        <p:cNvPr id="1" name=""/>
-        <p:cNvGrpSpPr/>
-        <p:nvPr/>
-      </p:nvGrpSpPr>
-      <p:grpSpPr>
-        <a:xfrm>
-          <a:off x="0" y="0"/>
-          <a:ext cx="0" cy="0"/>
-          <a:chOff x="0" y="0"/>
-          <a:chExt cx="0" cy="0"/>
-        </a:xfrm>
-      </p:grpSpPr>
-      <p:sp>
-        <p:nvSpPr>
-          <p:cNvPr id="3" name="Content Placeholder 2"/>
-          <p:cNvSpPr>
-            <a:spLocks noGrp="1"/>
-          </p:cNvSpPr>
-          <p:nvPr>
-            <p:ph idx="1"/>
-          </p:nvPr>
-        </p:nvSpPr>
-        <p:spPr/>
-        <p:txBody>
-          <a:bodyPr/>
-          <a:lstStyle/>
-          <a:p>
-            <a:pPr lvl="0" indent="0" marL="0">
-              <a:spcBef>
-                <a:spcPts val="3000"/>
-              </a:spcBef>
-              <a:buNone/>
-            </a:pPr>
-            <a:r>
-              <a:rPr b="1"/>
-              <a:t>Solution 1 - CI/CD for Templates</a:t>
-            </a:r>
-          </a:p>
-        </p:txBody>
-      </p:sp>
-    </p:spTree>
-  </p:cSld>
 </p:sld>
 </file>
 
